--- a/out-print/readme.pptx
+++ b/out-print/readme.pptx
@@ -4466,7 +4466,7 @@
               <a:rPr sz="1800" b="1">
                 <a:latin typeface="微软雅黑"/>
               </a:rPr>
-              <a:t>‘&gt;’+空格：写一行文字介绍，会呈现在页标题的下方</a:t>
+              <a:t>‘&gt;’+空格：一行文字介绍，呈现在页标题的下方</a:t>
             </a:r>
           </a:p>
         </p:txBody>
@@ -5410,7 +5410,7 @@
               <a:rPr sz="1600">
                 <a:latin typeface="微软雅黑"/>
               </a:rPr>
-              <a:t>在ppt-model中，选择自己喜欢的母版</a:t>
+              <a:t>在ppt-model中，选择自己喜欢的模板</a:t>
             </a:r>
           </a:p>
         </p:txBody>
@@ -5465,7 +5465,62 @@
               <a:rPr sz="1800" b="1">
                 <a:latin typeface="微软雅黑"/>
               </a:rPr>
-              <a:t>现在只有一个母版，是梧桐大数据的</a:t>
+              <a:t>有一个默认的模板，在ppt-model/default-model.pptx</a:t>
+            </a:r>
+          </a:p>
+        </p:txBody>
+      </p:sp>
+      <p:pic>
+        <p:nvPicPr>
+          <p:cNvPr id="7" name="Picture 6" descr="unsort_list.png"/>
+          <p:cNvPicPr>
+            <a:picLocks noChangeAspect="1"/>
+          </p:cNvPicPr>
+          <p:nvPr/>
+        </p:nvPicPr>
+        <p:blipFill>
+          <a:blip r:embed="rId3"/>
+          <a:stretch>
+            <a:fillRect/>
+          </a:stretch>
+        </p:blipFill>
+        <p:spPr>
+          <a:xfrm>
+            <a:off x="914400" y="2286000"/>
+            <a:ext cx="262128" cy="298704"/>
+          </a:xfrm>
+          <a:prstGeom prst="rect">
+            <a:avLst/>
+          </a:prstGeom>
+        </p:spPr>
+      </p:pic>
+      <p:sp>
+        <p:nvSpPr>
+          <p:cNvPr id="8" name="TextBox 7"/>
+          <p:cNvSpPr txBox="1"/>
+          <p:nvPr/>
+        </p:nvSpPr>
+        <p:spPr>
+          <a:xfrm>
+            <a:off x="1371600" y="2286000"/>
+            <a:ext cx="9144000" cy="228600"/>
+          </a:xfrm>
+          <a:prstGeom prst="rect">
+            <a:avLst/>
+          </a:prstGeom>
+          <a:noFill/>
+        </p:spPr>
+        <p:txBody>
+          <a:bodyPr wrap="none">
+            <a:spAutoFit/>
+          </a:bodyPr>
+          <a:lstStyle/>
+          <a:p>
+            <a:r>
+              <a:rPr sz="1800" b="1">
+                <a:latin typeface="微软雅黑"/>
+              </a:rPr>
+              <a:t>其他更多的模板，可以关注微信公众号"司镜233"，付费获得</a:t>
             </a:r>
           </a:p>
         </p:txBody>
@@ -5643,7 +5698,7 @@
               <a:rPr sz="1800" b="1">
                 <a:latin typeface="微软雅黑"/>
               </a:rPr>
-              <a:t>在run-file/wutong-ppt-generate.py中修改</a:t>
+              <a:t>在run-file/default-ppt-generate.py中修改</a:t>
             </a:r>
           </a:p>
         </p:txBody>
@@ -7335,7 +7390,7 @@
               <a:rPr sz="1800" b="1">
                 <a:latin typeface="微软雅黑"/>
               </a:rPr>
-              <a:t>现在共有20个模板</a:t>
+              <a:t>现在共有10个模板</a:t>
             </a:r>
           </a:p>
         </p:txBody>
